--- a/DGE_Tools_Training_Mar2019.pptx
+++ b/DGE_Tools_Training_Mar2019.pptx
@@ -4571,7 +4571,19 @@
           <a:p>
             <a:r>
               <a:rPr lang="en-US" sz="1600" dirty="0" smtClean="0"/>
-              <a:t>Shared DGEobj folder: /stash/data/noncling/</a:t>
+              <a:t>Shared DGEobj folder: /</a:t>
+            </a:r>
+            <a:r>
+              <a:rPr lang="en-US" sz="1600" dirty="0" smtClean="0"/>
+              <a:t>stash/data/</a:t>
+            </a:r>
+            <a:r>
+              <a:rPr lang="en-US" sz="1600" dirty="0" err="1" smtClean="0"/>
+              <a:t>nonclin</a:t>
+            </a:r>
+            <a:r>
+              <a:rPr lang="en-US" sz="1600" dirty="0" smtClean="0"/>
+              <a:t>/</a:t>
             </a:r>
             <a:r>
               <a:rPr lang="en-US" sz="1600" dirty="0" err="1" smtClean="0"/>
@@ -7091,16 +7103,27 @@
           </a:p>
           <a:p>
             <a:pPr marL="920750" lvl="1" indent="-457200">
+              <a:spcBef>
+                <a:spcPts val="700"/>
+              </a:spcBef>
               <a:buFont typeface="Arial" panose="020B0604020202020204" pitchFamily="34" charset="0"/>
               <a:buChar char="•"/>
             </a:pPr>
             <a:r>
+              <a:rPr lang="en-US" sz="2000" b="0" dirty="0" smtClean="0">
+                <a:solidFill>
+                  <a:srgbClr val="FF0000"/>
+                </a:solidFill>
+              </a:rPr>
+              <a:t>newType(DGEobj, </a:t>
+            </a:r>
+            <a:r>
               <a:rPr lang="en-US" sz="2000" b="0" dirty="0" err="1" smtClean="0">
                 <a:solidFill>
                   <a:srgbClr val="FF0000"/>
                 </a:solidFill>
               </a:rPr>
-              <a:t>newType</a:t>
+              <a:t>itemType</a:t>
             </a:r>
             <a:r>
               <a:rPr lang="en-US" sz="2000" b="0" dirty="0" smtClean="0">
@@ -7108,7 +7131,15 @@
                   <a:srgbClr val="FF0000"/>
                 </a:solidFill>
               </a:rPr>
-              <a:t>(DGEobj, </a:t>
+              <a:t> = “IHC”,</a:t>
+            </a:r>
+            <a:r>
+              <a:rPr lang="en-US" sz="2000" b="0" dirty="0">
+                <a:solidFill>
+                  <a:srgbClr val="FF0000"/>
+                </a:solidFill>
+              </a:rPr>
+              <a:t> </a:t>
             </a:r>
             <a:r>
               <a:rPr lang="en-US" sz="2000" b="0" dirty="0" err="1" smtClean="0">
@@ -7116,39 +7147,88 @@
                   <a:srgbClr val="FF0000"/>
                 </a:solidFill>
               </a:rPr>
+              <a:t>baseType</a:t>
+            </a:r>
+            <a:r>
+              <a:rPr lang="en-US" sz="2000" b="0" dirty="0" smtClean="0">
+                <a:solidFill>
+                  <a:srgbClr val="FF0000"/>
+                </a:solidFill>
+              </a:rPr>
+              <a:t> = “assay”) </a:t>
+            </a:r>
+          </a:p>
+          <a:p>
+            <a:pPr marL="920750" lvl="1" indent="-457200">
+              <a:spcBef>
+                <a:spcPts val="700"/>
+              </a:spcBef>
+              <a:buFont typeface="Arial" panose="020B0604020202020204" pitchFamily="34" charset="0"/>
+              <a:buChar char="•"/>
+            </a:pPr>
+            <a:r>
+              <a:rPr lang="en-US" sz="2000" b="0" dirty="0" smtClean="0"/>
+              <a:t>The type definitions are stored within the DGEobj as an attribute (</a:t>
+            </a:r>
+            <a:r>
+              <a:rPr lang="en-US" sz="2000" b="0" dirty="0" err="1" smtClean="0"/>
+              <a:t>objDef</a:t>
+            </a:r>
+            <a:r>
+              <a:rPr lang="en-US" sz="2000" b="0" dirty="0" smtClean="0"/>
+              <a:t>)</a:t>
+            </a:r>
+          </a:p>
+          <a:p>
+            <a:pPr marL="920750" lvl="1" indent="-457200">
+              <a:spcBef>
+                <a:spcPts val="700"/>
+              </a:spcBef>
+              <a:buFont typeface="Arial" panose="020B0604020202020204" pitchFamily="34" charset="0"/>
+              <a:buChar char="•"/>
+            </a:pPr>
+            <a:r>
+              <a:rPr lang="en-US" sz="2000" b="0" dirty="0" err="1" smtClean="0">
+                <a:solidFill>
+                  <a:srgbClr val="FF0000"/>
+                </a:solidFill>
+              </a:rPr>
+              <a:t>showTypes</a:t>
+            </a:r>
+            <a:r>
+              <a:rPr lang="en-US" sz="2000" b="0" dirty="0" smtClean="0">
+                <a:solidFill>
+                  <a:srgbClr val="FF0000"/>
+                </a:solidFill>
+              </a:rPr>
+              <a:t>(DGEobj)</a:t>
+            </a:r>
+          </a:p>
+          <a:p>
+            <a:pPr marL="1252538" lvl="2" indent="-457200">
+              <a:spcBef>
+                <a:spcPts val="700"/>
+              </a:spcBef>
+              <a:buFont typeface="Arial" panose="020B0604020202020204" pitchFamily="34" charset="0"/>
+              <a:buChar char="•"/>
+            </a:pPr>
+            <a:r>
+              <a:rPr lang="en-US" sz="2000" b="0" dirty="0" smtClean="0"/>
+              <a:t>Lists predefined types</a:t>
+            </a:r>
+          </a:p>
+          <a:p>
+            <a:r>
+              <a:rPr lang="en-US" dirty="0" smtClean="0"/>
+              <a:t>Can define whether an </a:t>
+            </a:r>
+            <a:r>
+              <a:rPr lang="en-US" dirty="0" err="1" smtClean="0"/>
               <a:t>itemType</a:t>
             </a:r>
             <a:r>
-              <a:rPr lang="en-US" sz="2000" b="0" dirty="0" smtClean="0">
-                <a:solidFill>
-                  <a:srgbClr val="FF0000"/>
-                </a:solidFill>
-              </a:rPr>
-              <a:t> = “IHC”,</a:t>
-            </a:r>
-            <a:r>
-              <a:rPr lang="en-US" sz="2000" b="0" dirty="0">
-                <a:solidFill>
-                  <a:srgbClr val="FF0000"/>
-                </a:solidFill>
-              </a:rPr>
-              <a:t> </a:t>
-            </a:r>
-            <a:r>
-              <a:rPr lang="en-US" sz="2000" b="0" dirty="0" err="1" smtClean="0">
-                <a:solidFill>
-                  <a:srgbClr val="FF0000"/>
-                </a:solidFill>
-              </a:rPr>
-              <a:t>baseType</a:t>
-            </a:r>
-            <a:r>
-              <a:rPr lang="en-US" sz="2000" b="0" dirty="0" smtClean="0">
-                <a:solidFill>
-                  <a:srgbClr val="FF0000"/>
-                </a:solidFill>
-              </a:rPr>
-              <a:t> = “assay”) </a:t>
+              <a:rPr lang="en-US" dirty="0" smtClean="0"/>
+              <a:t> is unique (i.e. can only have one instance)</a:t>
             </a:r>
           </a:p>
           <a:p>
@@ -7157,47 +7237,15 @@
               <a:buChar char="•"/>
             </a:pPr>
             <a:r>
-              <a:rPr lang="en-US" b="0" dirty="0" smtClean="0"/>
-              <a:t>The type definitions are stored within the DGEobj as an attribute (</a:t>
-            </a:r>
-            <a:r>
-              <a:rPr lang="en-US" b="0" dirty="0" err="1" smtClean="0"/>
-              <a:t>objDef</a:t>
-            </a:r>
-            <a:r>
-              <a:rPr lang="en-US" b="0" dirty="0" smtClean="0"/>
-              <a:t>)</a:t>
-            </a:r>
-          </a:p>
-          <a:p>
-            <a:r>
-              <a:rPr lang="en-US" dirty="0" smtClean="0"/>
-              <a:t>Can define whether an </a:t>
-            </a:r>
-            <a:r>
-              <a:rPr lang="en-US" dirty="0" err="1" smtClean="0"/>
-              <a:t>itemType</a:t>
-            </a:r>
-            <a:r>
-              <a:rPr lang="en-US" dirty="0" smtClean="0"/>
-              <a:t> is unique (i.e. can only have one instance)</a:t>
-            </a:r>
-          </a:p>
-          <a:p>
-            <a:pPr marL="920750" lvl="1" indent="-457200">
-              <a:buFont typeface="Arial" panose="020B0604020202020204" pitchFamily="34" charset="0"/>
-              <a:buChar char="•"/>
-            </a:pPr>
-            <a:r>
-              <a:rPr lang="en-US" b="0" dirty="0" smtClean="0"/>
+              <a:rPr lang="en-US" sz="2000" b="0" dirty="0" smtClean="0"/>
               <a:t>For RNA-seq  “counts”, “design” and “</a:t>
             </a:r>
             <a:r>
-              <a:rPr lang="en-US" b="0" dirty="0" err="1" smtClean="0"/>
+              <a:rPr lang="en-US" sz="2000" b="0" dirty="0" err="1" smtClean="0"/>
               <a:t>geneAnnotation</a:t>
             </a:r>
             <a:r>
-              <a:rPr lang="en-US" b="0" dirty="0" smtClean="0"/>
+              <a:rPr lang="en-US" sz="2000" b="0" dirty="0" smtClean="0"/>
               <a:t>” item types are unique</a:t>
             </a:r>
           </a:p>
@@ -11880,11 +11928,19 @@
             </a:pPr>
             <a:r>
               <a:rPr lang="en-US" sz="2000" b="0" dirty="0" smtClean="0"/>
-              <a:t>Attributes can be attached individually</a:t>
+              <a:t>Attributes can be attached individually using base::</a:t>
+            </a:r>
+            <a:r>
+              <a:rPr lang="en-US" sz="2000" b="0" dirty="0" err="1" smtClean="0"/>
+              <a:t>attr</a:t>
+            </a:r>
+            <a:r>
+              <a:rPr lang="en-US" sz="2000" b="0" dirty="0" smtClean="0"/>
+              <a:t> function</a:t>
             </a:r>
             <a:r>
               <a:rPr lang="en-US" b="0" dirty="0" smtClean="0"/>
-              <a:t>:</a:t>
+              <a:t>: </a:t>
             </a:r>
           </a:p>
           <a:p>
@@ -11893,6 +11949,22 @@
               <a:buChar char="•"/>
             </a:pPr>
             <a:r>
+              <a:rPr lang="en-US" sz="1800" dirty="0" err="1" smtClean="0">
+                <a:solidFill>
+                  <a:srgbClr val="FF0000"/>
+                </a:solidFill>
+              </a:rPr>
+              <a:t>attr</a:t>
+            </a:r>
+            <a:r>
+              <a:rPr lang="en-US" sz="1800" b="0" dirty="0" smtClean="0">
+                <a:solidFill>
+                  <a:srgbClr val="FF0000"/>
+                </a:solidFill>
+              </a:rPr>
+              <a:t>(</a:t>
+            </a:r>
+            <a:r>
               <a:rPr lang="en-US" sz="1800" b="0" dirty="0" err="1" smtClean="0">
                 <a:solidFill>
                   <a:srgbClr val="FF0000"/>
@@ -11906,15 +11978,15 @@
                   <a:srgbClr val="FF0000"/>
                 </a:solidFill>
               </a:rPr>
-              <a:t> &lt;- base::</a:t>
-            </a:r>
-            <a:r>
-              <a:rPr lang="en-US" sz="1800" dirty="0" err="1" smtClean="0">
-                <a:solidFill>
-                  <a:srgbClr val="FF0000"/>
-                </a:solidFill>
-              </a:rPr>
-              <a:t>attr</a:t>
+              <a:t>, "source“) &lt;- "</a:t>
+            </a:r>
+            <a:r>
+              <a:rPr lang="en-US" sz="1800" b="0" dirty="0" err="1" smtClean="0">
+                <a:solidFill>
+                  <a:srgbClr val="FF0000"/>
+                </a:solidFill>
+              </a:rPr>
+              <a:t>mymarkdown.Rmd</a:t>
             </a:r>
             <a:r>
               <a:rPr lang="en-US" sz="1800" b="0" dirty="0" smtClean="0">
@@ -11922,39 +11994,7 @@
                   <a:srgbClr val="FF0000"/>
                 </a:solidFill>
               </a:rPr>
-              <a:t>(</a:t>
-            </a:r>
-            <a:r>
-              <a:rPr lang="en-US" sz="1800" b="0" dirty="0" err="1" smtClean="0">
-                <a:solidFill>
-                  <a:srgbClr val="FF0000"/>
-                </a:solidFill>
-              </a:rPr>
-              <a:t>dgeObj</a:t>
-            </a:r>
-            <a:r>
-              <a:rPr lang="en-US" sz="1800" b="0" dirty="0" smtClean="0">
-                <a:solidFill>
-                  <a:srgbClr val="FF0000"/>
-                </a:solidFill>
-              </a:rPr>
-              <a:t>, source="</a:t>
-            </a:r>
-            <a:r>
-              <a:rPr lang="en-US" sz="1800" b="0" dirty="0" err="1" smtClean="0">
-                <a:solidFill>
-                  <a:srgbClr val="FF0000"/>
-                </a:solidFill>
-              </a:rPr>
-              <a:t>mymarkdown.Rmd</a:t>
-            </a:r>
-            <a:r>
-              <a:rPr lang="en-US" sz="1800" b="0" dirty="0" smtClean="0">
-                <a:solidFill>
-                  <a:srgbClr val="FF0000"/>
-                </a:solidFill>
-              </a:rPr>
-              <a:t>“</a:t>
+              <a:t>"</a:t>
             </a:r>
           </a:p>
           <a:p>
@@ -11982,7 +12022,7 @@
             </a:pPr>
             <a:r>
               <a:rPr lang="en-US" sz="1600" b="0" dirty="0" smtClean="0"/>
-              <a:t>Read attributes as key=value pairs from a text file:</a:t>
+              <a:t>Reads attributes as key=value pairs from a text file:</a:t>
             </a:r>
           </a:p>
           <a:p>
@@ -13817,6 +13857,15 @@
 </file>
 
 <file path=customXml/item1.xml><?xml version="1.0" encoding="utf-8"?>
+<p:properties xmlns:p="http://schemas.microsoft.com/office/2006/metadata/properties" xmlns:xsi="http://www.w3.org/2001/XMLSchema-instance">
+  <documentManagement>
+    <PublishingExpirationDate xmlns="http://schemas.microsoft.com/sharepoint/v3" xsi:nil="true"/>
+    <PublishingStartDate xmlns="http://schemas.microsoft.com/sharepoint/v3" xsi:nil="true"/>
+  </documentManagement>
+</p:properties>
+</file>
+
+<file path=customXml/item2.xml><?xml version="1.0" encoding="utf-8"?>
 <ct:contentTypeSchema xmlns:ct="http://schemas.microsoft.com/office/2006/metadata/contentType" xmlns:ma="http://schemas.microsoft.com/office/2006/metadata/properties/metaAttributes" ct:_="" ma:_="" ma:contentTypeName="Document" ma:contentTypeID="0x010100B7D717AD26BB54428463ED26CB0D7E9E" ma:contentTypeVersion="3" ma:contentTypeDescription="Create a new document." ma:contentTypeScope="" ma:versionID="bf8986cc7c868353b5915001fefac325">
   <xsd:schema xmlns:xsd="http://www.w3.org/2001/XMLSchema" xmlns:p="http://schemas.microsoft.com/office/2006/metadata/properties" xmlns:ns1="http://schemas.microsoft.com/sharepoint/v3" targetNamespace="http://schemas.microsoft.com/office/2006/metadata/properties" ma:root="true" ma:fieldsID="ddb0c952b897a810c8a4e377cff6bff8" ns1:_="">
     <xsd:import namespace="http://schemas.microsoft.com/sharepoint/v3"/>
@@ -13882,7 +13931,7 @@
 </ct:contentTypeSchema>
 </file>
 
-<file path=customXml/item2.xml><?xml version="1.0" encoding="utf-8"?>
+<file path=customXml/item3.xml><?xml version="1.0" encoding="utf-8"?>
 <?mso-contentType ?>
 <FormTemplates xmlns="http://schemas.microsoft.com/sharepoint/v3/contenttype/forms">
   <Display>DocumentLibraryForm</Display>
@@ -13891,16 +13940,22 @@
 </FormTemplates>
 </file>
 
-<file path=customXml/item3.xml><?xml version="1.0" encoding="utf-8"?>
-<p:properties xmlns:p="http://schemas.microsoft.com/office/2006/metadata/properties" xmlns:xsi="http://www.w3.org/2001/XMLSchema-instance">
-  <documentManagement>
-    <PublishingExpirationDate xmlns="http://schemas.microsoft.com/sharepoint/v3" xsi:nil="true"/>
-    <PublishingStartDate xmlns="http://schemas.microsoft.com/sharepoint/v3" xsi:nil="true"/>
-  </documentManagement>
-</p:properties>
+<file path=customXml/itemProps1.xml><?xml version="1.0" encoding="utf-8"?>
+<ds:datastoreItem xmlns:ds="http://schemas.openxmlformats.org/officeDocument/2006/customXml" ds:itemID="{22D02B40-73A0-49EC-984E-6E21484878D7}">
+  <ds:schemaRefs>
+    <ds:schemaRef ds:uri="http://schemas.microsoft.com/office/2006/documentManagement/types"/>
+    <ds:schemaRef ds:uri="http://schemas.openxmlformats.org/package/2006/metadata/core-properties"/>
+    <ds:schemaRef ds:uri="http://purl.org/dc/elements/1.1/"/>
+    <ds:schemaRef ds:uri="http://schemas.microsoft.com/sharepoint/v3"/>
+    <ds:schemaRef ds:uri="http://purl.org/dc/terms/"/>
+    <ds:schemaRef ds:uri="http://schemas.microsoft.com/office/2006/metadata/properties"/>
+    <ds:schemaRef ds:uri="http://www.w3.org/XML/1998/namespace"/>
+    <ds:schemaRef ds:uri="http://purl.org/dc/dcmitype/"/>
+  </ds:schemaRefs>
+</ds:datastoreItem>
 </file>
 
-<file path=customXml/itemProps1.xml><?xml version="1.0" encoding="utf-8"?>
+<file path=customXml/itemProps2.xml><?xml version="1.0" encoding="utf-8"?>
 <ds:datastoreItem xmlns:ds="http://schemas.openxmlformats.org/officeDocument/2006/customXml" ds:itemID="{419E58A6-6FDB-417D-B366-2AEECAC86031}">
   <ds:schemaRefs>
     <ds:schemaRef ds:uri="http://schemas.microsoft.com/office/2006/metadata/contentType"/>
@@ -13917,25 +13972,10 @@
 </ds:datastoreItem>
 </file>
 
-<file path=customXml/itemProps2.xml><?xml version="1.0" encoding="utf-8"?>
+<file path=customXml/itemProps3.xml><?xml version="1.0" encoding="utf-8"?>
 <ds:datastoreItem xmlns:ds="http://schemas.openxmlformats.org/officeDocument/2006/customXml" ds:itemID="{7BEEAFA4-C65A-43C8-B565-5092855FE3D8}">
   <ds:schemaRefs>
     <ds:schemaRef ds:uri="http://schemas.microsoft.com/sharepoint/v3/contenttype/forms"/>
   </ds:schemaRefs>
 </ds:datastoreItem>
-</file>
-
-<file path=customXml/itemProps3.xml><?xml version="1.0" encoding="utf-8"?>
-<ds:datastoreItem xmlns:ds="http://schemas.openxmlformats.org/officeDocument/2006/customXml" ds:itemID="{22D02B40-73A0-49EC-984E-6E21484878D7}">
-  <ds:schemaRefs>
-    <ds:schemaRef ds:uri="http://schemas.microsoft.com/office/2006/documentManagement/types"/>
-    <ds:schemaRef ds:uri="http://schemas.openxmlformats.org/package/2006/metadata/core-properties"/>
-    <ds:schemaRef ds:uri="http://purl.org/dc/elements/1.1/"/>
-    <ds:schemaRef ds:uri="http://schemas.microsoft.com/sharepoint/v3"/>
-    <ds:schemaRef ds:uri="http://purl.org/dc/terms/"/>
-    <ds:schemaRef ds:uri="http://schemas.microsoft.com/office/2006/metadata/properties"/>
-    <ds:schemaRef ds:uri="http://www.w3.org/XML/1998/namespace"/>
-    <ds:schemaRef ds:uri="http://purl.org/dc/dcmitype/"/>
-  </ds:schemaRefs>
-</ds:datastoreItem>
 </file>
--- a/DGE_Tools_Training_Mar2019.pptx
+++ b/DGE_Tools_Training_Mar2019.pptx
@@ -3114,12 +3114,20 @@
               <a:t>	</a:t>
             </a:r>
             <a:r>
+              <a:rPr lang="en-US" sz="1600" dirty="0" err="1" smtClean="0">
+                <a:solidFill>
+                  <a:srgbClr val="FF0000"/>
+                </a:solidFill>
+              </a:rPr>
+              <a:t>edgeR</a:t>
+            </a:r>
+            <a:r>
               <a:rPr lang="en-US" sz="1600" dirty="0" smtClean="0">
                 <a:solidFill>
                   <a:srgbClr val="FF0000"/>
                 </a:solidFill>
               </a:rPr>
-              <a:t>edger::</a:t>
+              <a:t>::</a:t>
             </a:r>
             <a:r>
               <a:rPr lang="en-US" sz="1600" dirty="0" err="1" smtClean="0">
@@ -4571,11 +4579,7 @@
           <a:p>
             <a:r>
               <a:rPr lang="en-US" sz="1600" dirty="0" smtClean="0"/>
-              <a:t>Shared DGEobj folder: /</a:t>
-            </a:r>
-            <a:r>
-              <a:rPr lang="en-US" sz="1600" dirty="0" smtClean="0"/>
-              <a:t>stash/data/</a:t>
+              <a:t>Shared DGEobj folder: /stash/data/</a:t>
             </a:r>
             <a:r>
               <a:rPr lang="en-US" sz="1600" dirty="0" err="1" smtClean="0"/>
@@ -13857,12 +13861,12 @@
 </file>
 
 <file path=customXml/item1.xml><?xml version="1.0" encoding="utf-8"?>
-<p:properties xmlns:p="http://schemas.microsoft.com/office/2006/metadata/properties" xmlns:xsi="http://www.w3.org/2001/XMLSchema-instance">
-  <documentManagement>
-    <PublishingExpirationDate xmlns="http://schemas.microsoft.com/sharepoint/v3" xsi:nil="true"/>
-    <PublishingStartDate xmlns="http://schemas.microsoft.com/sharepoint/v3" xsi:nil="true"/>
-  </documentManagement>
-</p:properties>
+<?mso-contentType ?>
+<FormTemplates xmlns="http://schemas.microsoft.com/sharepoint/v3/contenttype/forms">
+  <Display>DocumentLibraryForm</Display>
+  <Edit>DocumentLibraryForm</Edit>
+  <New>DocumentLibraryForm</New>
+</FormTemplates>
 </file>
 
 <file path=customXml/item2.xml><?xml version="1.0" encoding="utf-8"?>
@@ -13932,25 +13936,18 @@
 </file>
 
 <file path=customXml/item3.xml><?xml version="1.0" encoding="utf-8"?>
-<?mso-contentType ?>
-<FormTemplates xmlns="http://schemas.microsoft.com/sharepoint/v3/contenttype/forms">
-  <Display>DocumentLibraryForm</Display>
-  <Edit>DocumentLibraryForm</Edit>
-  <New>DocumentLibraryForm</New>
-</FormTemplates>
+<p:properties xmlns:p="http://schemas.microsoft.com/office/2006/metadata/properties" xmlns:xsi="http://www.w3.org/2001/XMLSchema-instance">
+  <documentManagement>
+    <PublishingExpirationDate xmlns="http://schemas.microsoft.com/sharepoint/v3" xsi:nil="true"/>
+    <PublishingStartDate xmlns="http://schemas.microsoft.com/sharepoint/v3" xsi:nil="true"/>
+  </documentManagement>
+</p:properties>
 </file>
 
 <file path=customXml/itemProps1.xml><?xml version="1.0" encoding="utf-8"?>
-<ds:datastoreItem xmlns:ds="http://schemas.openxmlformats.org/officeDocument/2006/customXml" ds:itemID="{22D02B40-73A0-49EC-984E-6E21484878D7}">
+<ds:datastoreItem xmlns:ds="http://schemas.openxmlformats.org/officeDocument/2006/customXml" ds:itemID="{7BEEAFA4-C65A-43C8-B565-5092855FE3D8}">
   <ds:schemaRefs>
-    <ds:schemaRef ds:uri="http://schemas.microsoft.com/office/2006/documentManagement/types"/>
-    <ds:schemaRef ds:uri="http://schemas.openxmlformats.org/package/2006/metadata/core-properties"/>
-    <ds:schemaRef ds:uri="http://purl.org/dc/elements/1.1/"/>
-    <ds:schemaRef ds:uri="http://schemas.microsoft.com/sharepoint/v3"/>
-    <ds:schemaRef ds:uri="http://purl.org/dc/terms/"/>
-    <ds:schemaRef ds:uri="http://schemas.microsoft.com/office/2006/metadata/properties"/>
-    <ds:schemaRef ds:uri="http://www.w3.org/XML/1998/namespace"/>
-    <ds:schemaRef ds:uri="http://purl.org/dc/dcmitype/"/>
+    <ds:schemaRef ds:uri="http://schemas.microsoft.com/sharepoint/v3/contenttype/forms"/>
   </ds:schemaRefs>
 </ds:datastoreItem>
 </file>
@@ -13973,9 +13970,16 @@
 </file>
 
 <file path=customXml/itemProps3.xml><?xml version="1.0" encoding="utf-8"?>
-<ds:datastoreItem xmlns:ds="http://schemas.openxmlformats.org/officeDocument/2006/customXml" ds:itemID="{7BEEAFA4-C65A-43C8-B565-5092855FE3D8}">
+<ds:datastoreItem xmlns:ds="http://schemas.openxmlformats.org/officeDocument/2006/customXml" ds:itemID="{22D02B40-73A0-49EC-984E-6E21484878D7}">
   <ds:schemaRefs>
-    <ds:schemaRef ds:uri="http://schemas.microsoft.com/sharepoint/v3/contenttype/forms"/>
+    <ds:schemaRef ds:uri="http://schemas.microsoft.com/office/2006/documentManagement/types"/>
+    <ds:schemaRef ds:uri="http://schemas.openxmlformats.org/package/2006/metadata/core-properties"/>
+    <ds:schemaRef ds:uri="http://purl.org/dc/elements/1.1/"/>
+    <ds:schemaRef ds:uri="http://schemas.microsoft.com/sharepoint/v3"/>
+    <ds:schemaRef ds:uri="http://purl.org/dc/terms/"/>
+    <ds:schemaRef ds:uri="http://schemas.microsoft.com/office/2006/metadata/properties"/>
+    <ds:schemaRef ds:uri="http://www.w3.org/XML/1998/namespace"/>
+    <ds:schemaRef ds:uri="http://purl.org/dc/dcmitype/"/>
   </ds:schemaRefs>
 </ds:datastoreItem>
 </file>